--- a/벤치마킹 리서치 이미지/벤치마킹 리서치_CGV_메인.pptx
+++ b/벤치마킹 리서치 이미지/벤치마킹 리서치_CGV_메인.pptx
@@ -117,6 +117,11 @@
       </a:defRPr>
     </a:lvl9pPr>
   </p:defaultTextStyle>
+  <p:extLst>
+    <p:ext uri="{EFAFB233-063F-42B5-8137-9DF3F51BA10A}">
+      <p15:sldGuideLst xmlns:p15="http://schemas.microsoft.com/office/powerpoint/2012/main"/>
+    </p:ext>
+  </p:extLst>
 </p:presentation>
 </file>
 
@@ -3362,7 +3367,7 @@
         </p:blipFill>
         <p:spPr>
           <a:xfrm>
-            <a:off x="2019300" y="800100"/>
+            <a:off x="682869" y="805962"/>
             <a:ext cx="8153400" cy="5257800"/>
           </a:xfrm>
           <a:prstGeom prst="rect">
@@ -3370,6 +3375,59 @@
           </a:prstGeom>
         </p:spPr>
       </p:pic>
+      <p:sp>
+        <p:nvSpPr>
+          <p:cNvPr id="2" name="TextBox 1"/>
+          <p:cNvSpPr txBox="1"/>
+          <p:nvPr/>
+        </p:nvSpPr>
+        <p:spPr>
+          <a:xfrm>
+            <a:off x="9226061" y="2878015"/>
+            <a:ext cx="2555631" cy="646331"/>
+          </a:xfrm>
+          <a:prstGeom prst="rect">
+            <a:avLst/>
+          </a:prstGeom>
+          <a:noFill/>
+        </p:spPr>
+        <p:txBody>
+          <a:bodyPr wrap="square" rtlCol="0">
+            <a:spAutoFit/>
+          </a:bodyPr>
+          <a:lstStyle/>
+          <a:p>
+            <a:r>
+              <a:rPr lang="ko-KR" altLang="en-US" dirty="0" smtClean="0"/>
+              <a:t>메인 </a:t>
+            </a:r>
+            <a:r>
+              <a:rPr lang="ko-KR" altLang="en-US" dirty="0" err="1" smtClean="0"/>
+              <a:t>영상클릭</a:t>
+            </a:r>
+            <a:r>
+              <a:rPr lang="ko-KR" altLang="en-US" dirty="0"/>
+              <a:t> </a:t>
+            </a:r>
+            <a:r>
+              <a:rPr lang="ko-KR" altLang="en-US" dirty="0" smtClean="0"/>
+              <a:t>시</a:t>
+            </a:r>
+            <a:r>
+              <a:rPr lang="en-US" altLang="ko-KR" dirty="0" smtClean="0"/>
+              <a:t/>
+            </a:r>
+            <a:br>
+              <a:rPr lang="en-US" altLang="ko-KR" dirty="0" smtClean="0"/>
+            </a:br>
+            <a:r>
+              <a:rPr lang="ko-KR" altLang="en-US" dirty="0" smtClean="0"/>
+              <a:t>해당 영화 정보로 이동</a:t>
+            </a:r>
+            <a:endParaRPr lang="en-US" altLang="ko-KR" dirty="0" smtClean="0"/>
+          </a:p>
+        </p:txBody>
+      </p:sp>
     </p:spTree>
     <p:extLst>
       <p:ext uri="{BB962C8B-B14F-4D97-AF65-F5344CB8AC3E}">
@@ -3380,6 +3438,13 @@
   <p:clrMapOvr>
     <a:masterClrMapping/>
   </p:clrMapOvr>
+  <p:timing>
+    <p:tnLst>
+      <p:par>
+        <p:cTn id="1" dur="indefinite" restart="never" nodeType="tmRoot"/>
+      </p:par>
+    </p:tnLst>
+  </p:timing>
 </p:sld>
 </file>
 
@@ -3446,6 +3511,13 @@
   <p:clrMapOvr>
     <a:masterClrMapping/>
   </p:clrMapOvr>
+  <p:timing>
+    <p:tnLst>
+      <p:par>
+        <p:cTn id="1" dur="indefinite" restart="never" nodeType="tmRoot"/>
+      </p:par>
+    </p:tnLst>
+  </p:timing>
 </p:sld>
 </file>
 
@@ -3512,6 +3584,13 @@
   <p:clrMapOvr>
     <a:masterClrMapping/>
   </p:clrMapOvr>
+  <p:timing>
+    <p:tnLst>
+      <p:par>
+        <p:cTn id="1" dur="indefinite" restart="never" nodeType="tmRoot"/>
+      </p:par>
+    </p:tnLst>
+  </p:timing>
 </p:sld>
 </file>
 
@@ -3578,6 +3657,13 @@
   <p:clrMapOvr>
     <a:masterClrMapping/>
   </p:clrMapOvr>
+  <p:timing>
+    <p:tnLst>
+      <p:par>
+        <p:cTn id="1" dur="indefinite" restart="never" nodeType="tmRoot"/>
+      </p:par>
+    </p:tnLst>
+  </p:timing>
 </p:sld>
 </file>
 
@@ -3634,6 +3720,35 @@
           </a:prstGeom>
         </p:spPr>
       </p:pic>
+      <p:sp>
+        <p:nvSpPr>
+          <p:cNvPr id="4" name="직사각형 3"/>
+          <p:cNvSpPr/>
+          <p:nvPr/>
+        </p:nvSpPr>
+        <p:spPr>
+          <a:xfrm>
+            <a:off x="2725616" y="5555958"/>
+            <a:ext cx="6096000" cy="369332"/>
+          </a:xfrm>
+          <a:prstGeom prst="rect">
+            <a:avLst/>
+          </a:prstGeom>
+        </p:spPr>
+        <p:txBody>
+          <a:bodyPr>
+            <a:spAutoFit/>
+          </a:bodyPr>
+          <a:lstStyle/>
+          <a:p>
+            <a:r>
+              <a:rPr lang="ko-KR" altLang="en-US" dirty="0" smtClean="0"/>
+              <a:t>공지사항 클릭 시 공지사항 페이지 이동</a:t>
+            </a:r>
+            <a:endParaRPr lang="en-US" altLang="ko-KR" dirty="0"/>
+          </a:p>
+        </p:txBody>
+      </p:sp>
     </p:spTree>
     <p:extLst>
       <p:ext uri="{BB962C8B-B14F-4D97-AF65-F5344CB8AC3E}">
@@ -3644,6 +3759,13 @@
   <p:clrMapOvr>
     <a:masterClrMapping/>
   </p:clrMapOvr>
+  <p:timing>
+    <p:tnLst>
+      <p:par>
+        <p:cTn id="1" dur="indefinite" restart="never" nodeType="tmRoot"/>
+      </p:par>
+    </p:tnLst>
+  </p:timing>
 </p:sld>
 </file>
 
@@ -3674,6 +3796,13 @@
   <p:clrMapOvr>
     <a:masterClrMapping/>
   </p:clrMapOvr>
+  <p:timing>
+    <p:tnLst>
+      <p:par>
+        <p:cTn id="1" dur="indefinite" restart="never" nodeType="tmRoot"/>
+      </p:par>
+    </p:tnLst>
+  </p:timing>
 </p:sld>
 </file>
 
@@ -3722,7 +3851,7 @@
         </p:blipFill>
         <p:spPr>
           <a:xfrm>
-            <a:off x="2217420" y="190500"/>
+            <a:off x="658251" y="143608"/>
             <a:ext cx="7757160" cy="6477000"/>
           </a:xfrm>
           <a:prstGeom prst="rect">
@@ -3730,6 +3859,54 @@
           </a:prstGeom>
         </p:spPr>
       </p:pic>
+      <p:sp>
+        <p:nvSpPr>
+          <p:cNvPr id="2" name="직사각형 1"/>
+          <p:cNvSpPr/>
+          <p:nvPr/>
+        </p:nvSpPr>
+        <p:spPr>
+          <a:xfrm>
+            <a:off x="8862647" y="2941712"/>
+            <a:ext cx="2584938" cy="646331"/>
+          </a:xfrm>
+          <a:prstGeom prst="rect">
+            <a:avLst/>
+          </a:prstGeom>
+        </p:spPr>
+        <p:txBody>
+          <a:bodyPr wrap="square">
+            <a:spAutoFit/>
+          </a:bodyPr>
+          <a:lstStyle/>
+          <a:p>
+            <a:r>
+              <a:rPr lang="ko-KR" altLang="en-US" dirty="0"/>
+              <a:t>메인 </a:t>
+            </a:r>
+            <a:r>
+              <a:rPr lang="ko-KR" altLang="en-US" dirty="0" err="1"/>
+              <a:t>영상클릭</a:t>
+            </a:r>
+            <a:r>
+              <a:rPr lang="ko-KR" altLang="en-US" dirty="0"/>
+              <a:t> 시</a:t>
+            </a:r>
+            <a:r>
+              <a:rPr lang="en-US" altLang="ko-KR" dirty="0"/>
+              <a:t/>
+            </a:r>
+            <a:br>
+              <a:rPr lang="en-US" altLang="ko-KR" dirty="0"/>
+            </a:br>
+            <a:r>
+              <a:rPr lang="ko-KR" altLang="en-US" dirty="0"/>
+              <a:t>해당 영화 정보로 이동</a:t>
+            </a:r>
+            <a:endParaRPr lang="en-US" altLang="ko-KR" dirty="0"/>
+          </a:p>
+        </p:txBody>
+      </p:sp>
     </p:spTree>
     <p:extLst>
       <p:ext uri="{BB962C8B-B14F-4D97-AF65-F5344CB8AC3E}">
@@ -3740,6 +3917,13 @@
   <p:clrMapOvr>
     <a:masterClrMapping/>
   </p:clrMapOvr>
+  <p:timing>
+    <p:tnLst>
+      <p:par>
+        <p:cTn id="1" dur="indefinite" restart="never" nodeType="tmRoot"/>
+      </p:par>
+    </p:tnLst>
+  </p:timing>
 </p:sld>
 </file>
 
@@ -3796,6 +3980,39 @@
           </a:prstGeom>
         </p:spPr>
       </p:pic>
+      <p:sp>
+        <p:nvSpPr>
+          <p:cNvPr id="2" name="직사각형 1"/>
+          <p:cNvSpPr/>
+          <p:nvPr/>
+        </p:nvSpPr>
+        <p:spPr>
+          <a:xfrm>
+            <a:off x="2725616" y="5555958"/>
+            <a:ext cx="6096000" cy="369332"/>
+          </a:xfrm>
+          <a:prstGeom prst="rect">
+            <a:avLst/>
+          </a:prstGeom>
+        </p:spPr>
+        <p:txBody>
+          <a:bodyPr>
+            <a:spAutoFit/>
+          </a:bodyPr>
+          <a:lstStyle/>
+          <a:p>
+            <a:r>
+              <a:rPr lang="ko-KR" altLang="en-US" dirty="0" err="1" smtClean="0"/>
+              <a:t>무비차트</a:t>
+            </a:r>
+            <a:r>
+              <a:rPr lang="ko-KR" altLang="en-US" dirty="0" smtClean="0"/>
+              <a:t> 상세보기 예매하기 클릭 시 해당 페이지 이동</a:t>
+            </a:r>
+            <a:endParaRPr lang="en-US" altLang="ko-KR" dirty="0"/>
+          </a:p>
+        </p:txBody>
+      </p:sp>
     </p:spTree>
     <p:extLst>
       <p:ext uri="{BB962C8B-B14F-4D97-AF65-F5344CB8AC3E}">
@@ -3806,6 +4023,13 @@
   <p:clrMapOvr>
     <a:masterClrMapping/>
   </p:clrMapOvr>
+  <p:timing>
+    <p:tnLst>
+      <p:par>
+        <p:cTn id="1" dur="indefinite" restart="never" nodeType="tmRoot"/>
+      </p:par>
+    </p:tnLst>
+  </p:timing>
 </p:sld>
 </file>
 
@@ -3854,7 +4078,7 @@
         </p:blipFill>
         <p:spPr>
           <a:xfrm>
-            <a:off x="1920240" y="289560"/>
+            <a:off x="290732" y="313006"/>
             <a:ext cx="8351520" cy="6278880"/>
           </a:xfrm>
           <a:prstGeom prst="rect">
@@ -3862,6 +4086,46 @@
           </a:prstGeom>
         </p:spPr>
       </p:pic>
+      <p:sp>
+        <p:nvSpPr>
+          <p:cNvPr id="4" name="직사각형 3"/>
+          <p:cNvSpPr/>
+          <p:nvPr/>
+        </p:nvSpPr>
+        <p:spPr>
+          <a:xfrm>
+            <a:off x="8317524" y="3252373"/>
+            <a:ext cx="6096000" cy="646331"/>
+          </a:xfrm>
+          <a:prstGeom prst="rect">
+            <a:avLst/>
+          </a:prstGeom>
+        </p:spPr>
+        <p:txBody>
+          <a:bodyPr>
+            <a:spAutoFit/>
+          </a:bodyPr>
+          <a:lstStyle/>
+          <a:p>
+            <a:r>
+              <a:rPr lang="ko-KR" altLang="en-US" dirty="0" err="1" smtClean="0"/>
+              <a:t>무비차트</a:t>
+            </a:r>
+            <a:r>
+              <a:rPr lang="ko-KR" altLang="en-US" dirty="0" smtClean="0"/>
+              <a:t> 상세보기 </a:t>
+            </a:r>
+            <a:endParaRPr lang="en-US" altLang="ko-KR" dirty="0" smtClean="0"/>
+          </a:p>
+          <a:p>
+            <a:r>
+              <a:rPr lang="ko-KR" altLang="en-US" dirty="0" smtClean="0"/>
+              <a:t>예매하기 클릭 시 해당 페이지 이동</a:t>
+            </a:r>
+            <a:endParaRPr lang="en-US" altLang="ko-KR" dirty="0"/>
+          </a:p>
+        </p:txBody>
+      </p:sp>
     </p:spTree>
     <p:extLst>
       <p:ext uri="{BB962C8B-B14F-4D97-AF65-F5344CB8AC3E}">
@@ -3872,6 +4136,13 @@
   <p:clrMapOvr>
     <a:masterClrMapping/>
   </p:clrMapOvr>
+  <p:timing>
+    <p:tnLst>
+      <p:par>
+        <p:cTn id="1" dur="indefinite" restart="never" nodeType="tmRoot"/>
+      </p:par>
+    </p:tnLst>
+  </p:timing>
 </p:sld>
 </file>
 
@@ -3928,6 +4199,35 @@
           </a:prstGeom>
         </p:spPr>
       </p:pic>
+      <p:sp>
+        <p:nvSpPr>
+          <p:cNvPr id="4" name="직사각형 3"/>
+          <p:cNvSpPr/>
+          <p:nvPr/>
+        </p:nvSpPr>
+        <p:spPr>
+          <a:xfrm>
+            <a:off x="2725616" y="5555958"/>
+            <a:ext cx="6096000" cy="369332"/>
+          </a:xfrm>
+          <a:prstGeom prst="rect">
+            <a:avLst/>
+          </a:prstGeom>
+        </p:spPr>
+        <p:txBody>
+          <a:bodyPr>
+            <a:spAutoFit/>
+          </a:bodyPr>
+          <a:lstStyle/>
+          <a:p>
+            <a:r>
+              <a:rPr lang="ko-KR" altLang="en-US" dirty="0" smtClean="0"/>
+              <a:t>이벤트 클릭 시 해당 페이지 이동</a:t>
+            </a:r>
+            <a:endParaRPr lang="en-US" altLang="ko-KR" dirty="0"/>
+          </a:p>
+        </p:txBody>
+      </p:sp>
     </p:spTree>
     <p:extLst>
       <p:ext uri="{BB962C8B-B14F-4D97-AF65-F5344CB8AC3E}">
@@ -3938,6 +4238,13 @@
   <p:clrMapOvr>
     <a:masterClrMapping/>
   </p:clrMapOvr>
+  <p:timing>
+    <p:tnLst>
+      <p:par>
+        <p:cTn id="1" dur="indefinite" restart="never" nodeType="tmRoot"/>
+      </p:par>
+    </p:tnLst>
+  </p:timing>
 </p:sld>
 </file>
 
@@ -3986,7 +4293,7 @@
         </p:blipFill>
         <p:spPr>
           <a:xfrm>
-            <a:off x="3192780" y="369570"/>
+            <a:off x="4353364" y="275060"/>
             <a:ext cx="5806440" cy="6118860"/>
           </a:xfrm>
           <a:prstGeom prst="rect">
@@ -3994,6 +4301,39 @@
           </a:prstGeom>
         </p:spPr>
       </p:pic>
+      <p:sp>
+        <p:nvSpPr>
+          <p:cNvPr id="4" name="직사각형 3"/>
+          <p:cNvSpPr/>
+          <p:nvPr/>
+        </p:nvSpPr>
+        <p:spPr>
+          <a:xfrm>
+            <a:off x="144780" y="2965158"/>
+            <a:ext cx="6096000" cy="369332"/>
+          </a:xfrm>
+          <a:prstGeom prst="rect">
+            <a:avLst/>
+          </a:prstGeom>
+        </p:spPr>
+        <p:txBody>
+          <a:bodyPr>
+            <a:spAutoFit/>
+          </a:bodyPr>
+          <a:lstStyle/>
+          <a:p>
+            <a:r>
+              <a:rPr lang="ko-KR" altLang="en-US" dirty="0" smtClean="0"/>
+              <a:t>이벤트 페이지 상세내</a:t>
+            </a:r>
+            <a:r>
+              <a:rPr lang="ko-KR" altLang="en-US" dirty="0" smtClean="0"/>
+              <a:t>용</a:t>
+            </a:r>
+            <a:endParaRPr lang="en-US" altLang="ko-KR" dirty="0"/>
+          </a:p>
+        </p:txBody>
+      </p:sp>
     </p:spTree>
     <p:extLst>
       <p:ext uri="{BB962C8B-B14F-4D97-AF65-F5344CB8AC3E}">
@@ -4004,6 +4344,13 @@
   <p:clrMapOvr>
     <a:masterClrMapping/>
   </p:clrMapOvr>
+  <p:timing>
+    <p:tnLst>
+      <p:par>
+        <p:cTn id="1" dur="indefinite" restart="never" nodeType="tmRoot"/>
+      </p:par>
+    </p:tnLst>
+  </p:timing>
 </p:sld>
 </file>
 
@@ -4060,6 +4407,35 @@
           </a:prstGeom>
         </p:spPr>
       </p:pic>
+      <p:sp>
+        <p:nvSpPr>
+          <p:cNvPr id="4" name="직사각형 3"/>
+          <p:cNvSpPr/>
+          <p:nvPr/>
+        </p:nvSpPr>
+        <p:spPr>
+          <a:xfrm>
+            <a:off x="2725616" y="5555958"/>
+            <a:ext cx="6096000" cy="369332"/>
+          </a:xfrm>
+          <a:prstGeom prst="rect">
+            <a:avLst/>
+          </a:prstGeom>
+        </p:spPr>
+        <p:txBody>
+          <a:bodyPr>
+            <a:spAutoFit/>
+          </a:bodyPr>
+          <a:lstStyle/>
+          <a:p>
+            <a:r>
+              <a:rPr lang="ko-KR" altLang="en-US" dirty="0" smtClean="0"/>
+              <a:t>특별관 클릭 시 해당 페이지 이동</a:t>
+            </a:r>
+            <a:endParaRPr lang="en-US" altLang="ko-KR" dirty="0"/>
+          </a:p>
+        </p:txBody>
+      </p:sp>
     </p:spTree>
     <p:extLst>
       <p:ext uri="{BB962C8B-B14F-4D97-AF65-F5344CB8AC3E}">
@@ -4070,6 +4446,13 @@
   <p:clrMapOvr>
     <a:masterClrMapping/>
   </p:clrMapOvr>
+  <p:timing>
+    <p:tnLst>
+      <p:par>
+        <p:cTn id="1" dur="indefinite" restart="never" nodeType="tmRoot"/>
+      </p:par>
+    </p:tnLst>
+  </p:timing>
 </p:sld>
 </file>
 
@@ -4118,7 +4501,7 @@
         </p:blipFill>
         <p:spPr>
           <a:xfrm>
-            <a:off x="2967990" y="34290"/>
+            <a:off x="4345451" y="0"/>
             <a:ext cx="6256020" cy="6789420"/>
           </a:xfrm>
           <a:prstGeom prst="rect">
@@ -4126,6 +4509,35 @@
           </a:prstGeom>
         </p:spPr>
       </p:pic>
+      <p:sp>
+        <p:nvSpPr>
+          <p:cNvPr id="4" name="직사각형 3"/>
+          <p:cNvSpPr/>
+          <p:nvPr/>
+        </p:nvSpPr>
+        <p:spPr>
+          <a:xfrm>
+            <a:off x="1230924" y="3025378"/>
+            <a:ext cx="1570892" cy="369332"/>
+          </a:xfrm>
+          <a:prstGeom prst="rect">
+            <a:avLst/>
+          </a:prstGeom>
+        </p:spPr>
+        <p:txBody>
+          <a:bodyPr wrap="square">
+            <a:spAutoFit/>
+          </a:bodyPr>
+          <a:lstStyle/>
+          <a:p>
+            <a:r>
+              <a:rPr lang="ko-KR" altLang="en-US" smtClean="0"/>
+              <a:t>특별관 정보</a:t>
+            </a:r>
+            <a:endParaRPr lang="en-US" altLang="ko-KR" dirty="0"/>
+          </a:p>
+        </p:txBody>
+      </p:sp>
     </p:spTree>
     <p:extLst>
       <p:ext uri="{BB962C8B-B14F-4D97-AF65-F5344CB8AC3E}">
@@ -4136,6 +4548,13 @@
   <p:clrMapOvr>
     <a:masterClrMapping/>
   </p:clrMapOvr>
+  <p:timing>
+    <p:tnLst>
+      <p:par>
+        <p:cTn id="1" dur="indefinite" restart="never" nodeType="tmRoot"/>
+      </p:par>
+    </p:tnLst>
+  </p:timing>
 </p:sld>
 </file>
 
@@ -4192,6 +4611,35 @@
           </a:prstGeom>
         </p:spPr>
       </p:pic>
+      <p:sp>
+        <p:nvSpPr>
+          <p:cNvPr id="4" name="직사각형 3"/>
+          <p:cNvSpPr/>
+          <p:nvPr/>
+        </p:nvSpPr>
+        <p:spPr>
+          <a:xfrm>
+            <a:off x="2725616" y="5555958"/>
+            <a:ext cx="6096000" cy="369332"/>
+          </a:xfrm>
+          <a:prstGeom prst="rect">
+            <a:avLst/>
+          </a:prstGeom>
+        </p:spPr>
+        <p:txBody>
+          <a:bodyPr>
+            <a:spAutoFit/>
+          </a:bodyPr>
+          <a:lstStyle/>
+          <a:p>
+            <a:r>
+              <a:rPr lang="ko-KR" altLang="en-US" dirty="0" smtClean="0"/>
+              <a:t>클릭 시 각 상품페이지로 이동</a:t>
+            </a:r>
+            <a:endParaRPr lang="en-US" altLang="ko-KR" dirty="0"/>
+          </a:p>
+        </p:txBody>
+      </p:sp>
     </p:spTree>
     <p:extLst>
       <p:ext uri="{BB962C8B-B14F-4D97-AF65-F5344CB8AC3E}">
@@ -4202,6 +4650,13 @@
   <p:clrMapOvr>
     <a:masterClrMapping/>
   </p:clrMapOvr>
+  <p:timing>
+    <p:tnLst>
+      <p:par>
+        <p:cTn id="1" dur="indefinite" restart="never" nodeType="tmRoot"/>
+      </p:par>
+    </p:tnLst>
+  </p:timing>
 </p:sld>
 </file>
 
